--- a/lectures/Lesson-3.pptx
+++ b/lectures/Lesson-3.pptx
@@ -371,7 +371,7 @@
           <a:p>
             <a:fld id="{0BAD5166-F687-F54C-8745-DEE439776C39}" type="datetimeFigureOut">
               <a:rPr lang="en-US" smtClean="0"/>
-              <a:t>10/9/2015</a:t>
+              <a:t>10/21/2015</a:t>
             </a:fld>
             <a:endParaRPr lang="en-US"/>
           </a:p>
@@ -462,7 +462,7 @@
           <a:p>
             <a:fld id="{0BAD5166-F687-F54C-8745-DEE439776C39}" type="datetimeFigureOut">
               <a:rPr lang="en-US" smtClean="0"/>
-              <a:t>10/9/2015</a:t>
+              <a:t>10/21/2015</a:t>
             </a:fld>
             <a:endParaRPr lang="en-US"/>
           </a:p>
@@ -765,7 +765,7 @@
           <a:p>
             <a:fld id="{0BAD5166-F687-F54C-8745-DEE439776C39}" type="datetimeFigureOut">
               <a:rPr lang="en-US" smtClean="0"/>
-              <a:t>10/9/2015</a:t>
+              <a:t>10/21/2015</a:t>
             </a:fld>
             <a:endParaRPr lang="en-US"/>
           </a:p>
@@ -987,7 +987,7 @@
           <a:p>
             <a:fld id="{0BAD5166-F687-F54C-8745-DEE439776C39}" type="datetimeFigureOut">
               <a:rPr lang="en-US" smtClean="0"/>
-              <a:t>10/9/2015</a:t>
+              <a:t>10/21/2015</a:t>
             </a:fld>
             <a:endParaRPr lang="en-US"/>
           </a:p>
@@ -1375,7 +1375,7 @@
           <a:p>
             <a:fld id="{0BAD5166-F687-F54C-8745-DEE439776C39}" type="datetimeFigureOut">
               <a:rPr lang="en-US" smtClean="0"/>
-              <a:t>10/9/2015</a:t>
+              <a:t>10/21/2015</a:t>
             </a:fld>
             <a:endParaRPr lang="en-US"/>
           </a:p>
@@ -1683,7 +1683,7 @@
           <a:p>
             <a:fld id="{0BAD5166-F687-F54C-8745-DEE439776C39}" type="datetimeFigureOut">
               <a:rPr lang="en-US" smtClean="0"/>
-              <a:t>10/9/2015</a:t>
+              <a:t>10/21/2015</a:t>
             </a:fld>
             <a:endParaRPr lang="en-US"/>
           </a:p>
@@ -1881,7 +1881,7 @@
           <a:p>
             <a:fld id="{0BAD5166-F687-F54C-8745-DEE439776C39}" type="datetimeFigureOut">
               <a:rPr lang="en-US" smtClean="0"/>
-              <a:t>10/9/2015</a:t>
+              <a:t>10/21/2015</a:t>
             </a:fld>
             <a:endParaRPr lang="en-US"/>
           </a:p>
@@ -2084,7 +2084,7 @@
           <a:p>
             <a:fld id="{0BAD5166-F687-F54C-8745-DEE439776C39}" type="datetimeFigureOut">
               <a:rPr lang="en-US" smtClean="0"/>
-              <a:t>10/9/2015</a:t>
+              <a:t>10/21/2015</a:t>
             </a:fld>
             <a:endParaRPr lang="en-US"/>
           </a:p>
@@ -2277,7 +2277,7 @@
           <a:p>
             <a:fld id="{0BAD5166-F687-F54C-8745-DEE439776C39}" type="datetimeFigureOut">
               <a:rPr lang="en-US" smtClean="0"/>
-              <a:t>10/9/2015</a:t>
+              <a:t>10/21/2015</a:t>
             </a:fld>
             <a:endParaRPr lang="en-US"/>
           </a:p>
@@ -2549,7 +2549,7 @@
           <a:p>
             <a:fld id="{0BAD5166-F687-F54C-8745-DEE439776C39}" type="datetimeFigureOut">
               <a:rPr lang="en-US" smtClean="0"/>
-              <a:t>10/9/2015</a:t>
+              <a:t>10/21/2015</a:t>
             </a:fld>
             <a:endParaRPr lang="en-US"/>
           </a:p>
@@ -2860,7 +2860,7 @@
           <a:p>
             <a:fld id="{0BAD5166-F687-F54C-8745-DEE439776C39}" type="datetimeFigureOut">
               <a:rPr lang="en-US" smtClean="0"/>
-              <a:t>10/9/2015</a:t>
+              <a:t>10/21/2015</a:t>
             </a:fld>
             <a:endParaRPr lang="en-US"/>
           </a:p>
@@ -3326,7 +3326,7 @@
           <a:p>
             <a:fld id="{0BAD5166-F687-F54C-8745-DEE439776C39}" type="datetimeFigureOut">
               <a:rPr lang="en-US" smtClean="0"/>
-              <a:t>10/9/2015</a:t>
+              <a:t>10/21/2015</a:t>
             </a:fld>
             <a:endParaRPr lang="en-US"/>
           </a:p>
@@ -3690,7 +3690,7 @@
           <a:p>
             <a:fld id="{0BAD5166-F687-F54C-8745-DEE439776C39}" type="datetimeFigureOut">
               <a:rPr lang="en-US" smtClean="0"/>
-              <a:t>10/9/2015</a:t>
+              <a:t>10/21/2015</a:t>
             </a:fld>
             <a:endParaRPr lang="en-US"/>
           </a:p>
@@ -4001,7 +4001,7 @@
           <a:p>
             <a:fld id="{0BAD5166-F687-F54C-8745-DEE439776C39}" type="datetimeFigureOut">
               <a:rPr lang="en-US" smtClean="0"/>
-              <a:t>10/9/2015</a:t>
+              <a:t>10/21/2015</a:t>
             </a:fld>
             <a:endParaRPr lang="en-US"/>
           </a:p>
@@ -4312,7 +4312,7 @@
           <a:p>
             <a:fld id="{0BAD5166-F687-F54C-8745-DEE439776C39}" type="datetimeFigureOut">
               <a:rPr lang="en-US" smtClean="0"/>
-              <a:t>10/9/2015</a:t>
+              <a:t>10/21/2015</a:t>
             </a:fld>
             <a:endParaRPr lang="en-US"/>
           </a:p>
@@ -4797,7 +4797,7 @@
           <a:p>
             <a:fld id="{0BAD5166-F687-F54C-8745-DEE439776C39}" type="datetimeFigureOut">
               <a:rPr lang="en-US" smtClean="0"/>
-              <a:t>10/9/2015</a:t>
+              <a:t>10/21/2015</a:t>
             </a:fld>
             <a:endParaRPr lang="en-US"/>
           </a:p>
@@ -5060,7 +5060,7 @@
           <a:p>
             <a:fld id="{0BAD5166-F687-F54C-8745-DEE439776C39}" type="datetimeFigureOut">
               <a:rPr lang="en-US" smtClean="0"/>
-              <a:t>10/9/2015</a:t>
+              <a:t>10/21/2015</a:t>
             </a:fld>
             <a:endParaRPr lang="en-US"/>
           </a:p>
@@ -5754,15 +5754,7 @@
             </a:r>
             <a:r>
               <a:rPr lang="en-US" smtClean="0"/>
-              <a:t>is </a:t>
-            </a:r>
-            <a:r>
-              <a:rPr lang="en-US" smtClean="0"/>
-              <a:t>de</a:t>
-            </a:r>
-            <a:r>
-              <a:rPr lang="en-US" smtClean="0"/>
-              <a:t>creasing</a:t>
+              <a:t>is decreasing</a:t>
             </a:r>
             <a:endParaRPr lang="en-US" dirty="0" smtClean="0"/>
           </a:p>
@@ -5796,6 +5788,13 @@
   <p:clrMapOvr>
     <a:masterClrMapping/>
   </p:clrMapOvr>
+  <p:timing>
+    <p:tnLst>
+      <p:par>
+        <p:cTn id="1" dur="indefinite" restart="never" nodeType="tmRoot"/>
+      </p:par>
+    </p:tnLst>
+  </p:timing>
 </p:sld>
 </file>
 
@@ -5883,6 +5882,13 @@
   <p:clrMapOvr>
     <a:masterClrMapping/>
   </p:clrMapOvr>
+  <p:timing>
+    <p:tnLst>
+      <p:par>
+        <p:cTn id="1" dur="indefinite" restart="never" nodeType="tmRoot"/>
+      </p:par>
+    </p:tnLst>
+  </p:timing>
 </p:sld>
 </file>
 
@@ -6056,28 +6062,12 @@
               <a:t>Website: </a:t>
             </a:r>
             <a:r>
-              <a:rPr lang="en-US" dirty="0" smtClean="0">
+              <a:rPr lang="en-US" smtClean="0">
                 <a:hlinkClick r:id="rId3"/>
               </a:rPr>
               <a:t>edunomics.club</a:t>
             </a:r>
             <a:endParaRPr lang="en-US" dirty="0" smtClean="0"/>
-          </a:p>
-          <a:p>
-            <a:r>
-              <a:rPr lang="en-US" dirty="0" smtClean="0"/>
-              <a:t>Email list: </a:t>
-            </a:r>
-            <a:r>
-              <a:rPr lang="en-US" dirty="0" smtClean="0">
-                <a:hlinkClick r:id="rId4"/>
-              </a:rPr>
-              <a:t>http://bit.ly/1FxWCnS</a:t>
-            </a:r>
-            <a:endParaRPr lang="en-US" dirty="0" smtClean="0"/>
-          </a:p>
-          <a:p>
-            <a:endParaRPr lang="en-US" dirty="0"/>
           </a:p>
         </p:txBody>
       </p:sp>
@@ -6581,6 +6571,13 @@
   <p:clrMapOvr>
     <a:masterClrMapping/>
   </p:clrMapOvr>
+  <p:timing>
+    <p:tnLst>
+      <p:par>
+        <p:cTn id="1" dur="indefinite" restart="never" nodeType="tmRoot"/>
+      </p:par>
+    </p:tnLst>
+  </p:timing>
 </p:sld>
 </file>
 
@@ -6702,6 +6699,13 @@
   <p:clrMapOvr>
     <a:masterClrMapping/>
   </p:clrMapOvr>
+  <p:timing>
+    <p:tnLst>
+      <p:par>
+        <p:cTn id="1" dur="indefinite" restart="never" nodeType="tmRoot"/>
+      </p:par>
+    </p:tnLst>
+  </p:timing>
 </p:sld>
 </file>
 
@@ -6788,6 +6792,13 @@
   <p:clrMapOvr>
     <a:masterClrMapping/>
   </p:clrMapOvr>
+  <p:timing>
+    <p:tnLst>
+      <p:par>
+        <p:cTn id="1" dur="indefinite" restart="never" nodeType="tmRoot"/>
+      </p:par>
+    </p:tnLst>
+  </p:timing>
 </p:sld>
 </file>
 
@@ -6943,6 +6954,13 @@
   <p:clrMapOvr>
     <a:masterClrMapping/>
   </p:clrMapOvr>
+  <p:timing>
+    <p:tnLst>
+      <p:par>
+        <p:cTn id="1" dur="indefinite" restart="never" nodeType="tmRoot"/>
+      </p:par>
+    </p:tnLst>
+  </p:timing>
 </p:sld>
 </file>
 
